--- a/trunk/Apresentação/TCC_AndersonBerg_Apresentação_20091213_V3.pptx
+++ b/trunk/Apresentação/TCC_AndersonBerg_Apresentação_20091213_V3.pptx
@@ -1187,14 +1187,35 @@
         </dgm:presLayoutVars>
       </dgm:prSet>
       <dgm:spPr/>
+      <dgm:t>
+        <a:bodyPr/>
+        <a:lstStyle/>
+        <a:p>
+          <a:endParaRPr lang="pt-BR"/>
+        </a:p>
+      </dgm:t>
     </dgm:pt>
     <dgm:pt modelId="{3B033490-84EC-4A8A-A76B-D635D2FB5947}" type="pres">
       <dgm:prSet presAssocID="{6CE51ED8-E2D5-4D6E-92B7-33DC2D22F4E3}" presName="gear1srcNode" presStyleLbl="node1" presStyleIdx="0" presStyleCnt="3"/>
       <dgm:spPr/>
+      <dgm:t>
+        <a:bodyPr/>
+        <a:lstStyle/>
+        <a:p>
+          <a:endParaRPr lang="pt-BR"/>
+        </a:p>
+      </dgm:t>
     </dgm:pt>
     <dgm:pt modelId="{E163424C-43D9-4977-92B5-EBF4F1DE67F0}" type="pres">
       <dgm:prSet presAssocID="{6CE51ED8-E2D5-4D6E-92B7-33DC2D22F4E3}" presName="gear1dstNode" presStyleLbl="node1" presStyleIdx="0" presStyleCnt="3"/>
       <dgm:spPr/>
+      <dgm:t>
+        <a:bodyPr/>
+        <a:lstStyle/>
+        <a:p>
+          <a:endParaRPr lang="pt-BR"/>
+        </a:p>
+      </dgm:t>
     </dgm:pt>
     <dgm:pt modelId="{4C6762C1-B007-4DEA-AF5C-E6654BC8B2BE}" type="pres">
       <dgm:prSet presAssocID="{C80A9033-4CBB-49C6-ADA6-FF09E32D7971}" presName="gear2" presStyleLbl="node1" presStyleIdx="1" presStyleCnt="3">
@@ -1215,14 +1236,35 @@
     <dgm:pt modelId="{5CECEB08-06A9-4EFA-89C1-CE8A678C4734}" type="pres">
       <dgm:prSet presAssocID="{C80A9033-4CBB-49C6-ADA6-FF09E32D7971}" presName="gear2srcNode" presStyleLbl="node1" presStyleIdx="1" presStyleCnt="3"/>
       <dgm:spPr/>
+      <dgm:t>
+        <a:bodyPr/>
+        <a:lstStyle/>
+        <a:p>
+          <a:endParaRPr lang="pt-BR"/>
+        </a:p>
+      </dgm:t>
     </dgm:pt>
     <dgm:pt modelId="{53FECFA4-0F1A-4AC5-B09A-576BD400876B}" type="pres">
       <dgm:prSet presAssocID="{C80A9033-4CBB-49C6-ADA6-FF09E32D7971}" presName="gear2dstNode" presStyleLbl="node1" presStyleIdx="1" presStyleCnt="3"/>
       <dgm:spPr/>
+      <dgm:t>
+        <a:bodyPr/>
+        <a:lstStyle/>
+        <a:p>
+          <a:endParaRPr lang="pt-BR"/>
+        </a:p>
+      </dgm:t>
     </dgm:pt>
     <dgm:pt modelId="{C6327222-16C5-4A5A-A32F-01C31AEA7804}" type="pres">
       <dgm:prSet presAssocID="{AA3967FC-E7FF-44CB-A5DD-A1F5156EA9AF}" presName="gear3" presStyleLbl="node1" presStyleIdx="2" presStyleCnt="3"/>
       <dgm:spPr/>
+      <dgm:t>
+        <a:bodyPr/>
+        <a:lstStyle/>
+        <a:p>
+          <a:endParaRPr lang="pt-BR"/>
+        </a:p>
+      </dgm:t>
     </dgm:pt>
     <dgm:pt modelId="{CF888610-1FA6-4D2C-A325-A6727291E56F}" type="pres">
       <dgm:prSet presAssocID="{AA3967FC-E7FF-44CB-A5DD-A1F5156EA9AF}" presName="gear3tx" presStyleLbl="node1" presStyleIdx="2" presStyleCnt="3">
@@ -1232,46 +1274,88 @@
         </dgm:presLayoutVars>
       </dgm:prSet>
       <dgm:spPr/>
+      <dgm:t>
+        <a:bodyPr/>
+        <a:lstStyle/>
+        <a:p>
+          <a:endParaRPr lang="pt-BR"/>
+        </a:p>
+      </dgm:t>
     </dgm:pt>
     <dgm:pt modelId="{6B3CD9F1-5A02-4E26-B4F8-078145E0265B}" type="pres">
       <dgm:prSet presAssocID="{AA3967FC-E7FF-44CB-A5DD-A1F5156EA9AF}" presName="gear3srcNode" presStyleLbl="node1" presStyleIdx="2" presStyleCnt="3"/>
       <dgm:spPr/>
+      <dgm:t>
+        <a:bodyPr/>
+        <a:lstStyle/>
+        <a:p>
+          <a:endParaRPr lang="pt-BR"/>
+        </a:p>
+      </dgm:t>
     </dgm:pt>
     <dgm:pt modelId="{65E963F3-3963-467A-9DE4-60AF8584D89D}" type="pres">
       <dgm:prSet presAssocID="{AA3967FC-E7FF-44CB-A5DD-A1F5156EA9AF}" presName="gear3dstNode" presStyleLbl="node1" presStyleIdx="2" presStyleCnt="3"/>
       <dgm:spPr/>
+      <dgm:t>
+        <a:bodyPr/>
+        <a:lstStyle/>
+        <a:p>
+          <a:endParaRPr lang="pt-BR"/>
+        </a:p>
+      </dgm:t>
     </dgm:pt>
     <dgm:pt modelId="{6603EB52-FBFB-4025-8C45-AACAB29EF337}" type="pres">
       <dgm:prSet presAssocID="{E70B404A-D50E-481F-B8BD-DBE45061A952}" presName="connector1" presStyleLbl="sibTrans2D1" presStyleIdx="0" presStyleCnt="3"/>
       <dgm:spPr/>
+      <dgm:t>
+        <a:bodyPr/>
+        <a:lstStyle/>
+        <a:p>
+          <a:endParaRPr lang="pt-BR"/>
+        </a:p>
+      </dgm:t>
     </dgm:pt>
     <dgm:pt modelId="{0F17B1B2-3D53-4EB9-9D50-566EE31348D0}" type="pres">
       <dgm:prSet presAssocID="{F8467029-348F-4749-AEB0-B2601691DA93}" presName="connector2" presStyleLbl="sibTrans2D1" presStyleIdx="1" presStyleCnt="3"/>
       <dgm:spPr/>
+      <dgm:t>
+        <a:bodyPr/>
+        <a:lstStyle/>
+        <a:p>
+          <a:endParaRPr lang="pt-BR"/>
+        </a:p>
+      </dgm:t>
     </dgm:pt>
     <dgm:pt modelId="{53A997B2-A745-47BC-ABCB-A1EA56C9C539}" type="pres">
       <dgm:prSet presAssocID="{38F09A78-F7C2-4AE4-B9CA-02F337DCF21C}" presName="connector3" presStyleLbl="sibTrans2D1" presStyleIdx="2" presStyleCnt="3"/>
       <dgm:spPr/>
+      <dgm:t>
+        <a:bodyPr/>
+        <a:lstStyle/>
+        <a:p>
+          <a:endParaRPr lang="pt-BR"/>
+        </a:p>
+      </dgm:t>
     </dgm:pt>
   </dgm:ptLst>
   <dgm:cxnLst>
+    <dgm:cxn modelId="{65E339D0-466B-45C9-AC23-8436D63AABF4}" type="presOf" srcId="{025F2F30-9327-41A8-9DA0-A14CF56F8A97}" destId="{C062C1FF-CB12-4424-A81F-A55A11655B63}" srcOrd="0" destOrd="0" presId="urn:microsoft.com/office/officeart/2005/8/layout/gear1"/>
+    <dgm:cxn modelId="{43745F4B-F7C0-4064-9818-6D6879811337}" type="presOf" srcId="{38F09A78-F7C2-4AE4-B9CA-02F337DCF21C}" destId="{53A997B2-A745-47BC-ABCB-A1EA56C9C539}" srcOrd="0" destOrd="0" presId="urn:microsoft.com/office/officeart/2005/8/layout/gear1"/>
+    <dgm:cxn modelId="{4284A1D3-570C-4F39-889C-8C4692186FF3}" srcId="{025F2F30-9327-41A8-9DA0-A14CF56F8A97}" destId="{6CE51ED8-E2D5-4D6E-92B7-33DC2D22F4E3}" srcOrd="0" destOrd="0" parTransId="{69E3E37C-4FEB-40FF-9F97-03B6A94AFB9B}" sibTransId="{E70B404A-D50E-481F-B8BD-DBE45061A952}"/>
+    <dgm:cxn modelId="{CFD25871-FDF4-4CFF-938D-43CBF886900F}" type="presOf" srcId="{6CE51ED8-E2D5-4D6E-92B7-33DC2D22F4E3}" destId="{3B033490-84EC-4A8A-A76B-D635D2FB5947}" srcOrd="1" destOrd="0" presId="urn:microsoft.com/office/officeart/2005/8/layout/gear1"/>
     <dgm:cxn modelId="{B764F5B0-F6AC-4A3A-912B-D515EB9ECDE6}" type="presOf" srcId="{AA3967FC-E7FF-44CB-A5DD-A1F5156EA9AF}" destId="{C6327222-16C5-4A5A-A32F-01C31AEA7804}" srcOrd="0" destOrd="0" presId="urn:microsoft.com/office/officeart/2005/8/layout/gear1"/>
+    <dgm:cxn modelId="{DF1EFB00-B62B-43E4-8CA5-0ACF2DE92C8B}" srcId="{025F2F30-9327-41A8-9DA0-A14CF56F8A97}" destId="{C80A9033-4CBB-49C6-ADA6-FF09E32D7971}" srcOrd="1" destOrd="0" parTransId="{6F717168-CFC2-4F13-AD47-626D518B98EB}" sibTransId="{F8467029-348F-4749-AEB0-B2601691DA93}"/>
+    <dgm:cxn modelId="{A038E874-7076-4486-8211-937C5060E5E7}" srcId="{025F2F30-9327-41A8-9DA0-A14CF56F8A97}" destId="{AA3967FC-E7FF-44CB-A5DD-A1F5156EA9AF}" srcOrd="2" destOrd="0" parTransId="{4CAB6A0E-DB90-494D-9C33-52DE512E78FA}" sibTransId="{38F09A78-F7C2-4AE4-B9CA-02F337DCF21C}"/>
+    <dgm:cxn modelId="{1B7B448C-C92C-455D-84B3-E54BDCA9BD77}" type="presOf" srcId="{AA3967FC-E7FF-44CB-A5DD-A1F5156EA9AF}" destId="{6B3CD9F1-5A02-4E26-B4F8-078145E0265B}" srcOrd="2" destOrd="0" presId="urn:microsoft.com/office/officeart/2005/8/layout/gear1"/>
+    <dgm:cxn modelId="{7E49C7EE-F87C-471E-B170-5701AB3B9737}" type="presOf" srcId="{AA3967FC-E7FF-44CB-A5DD-A1F5156EA9AF}" destId="{65E963F3-3963-467A-9DE4-60AF8584D89D}" srcOrd="3" destOrd="0" presId="urn:microsoft.com/office/officeart/2005/8/layout/gear1"/>
     <dgm:cxn modelId="{47D8606C-08E0-47C0-8EE0-A70AF17F365C}" type="presOf" srcId="{6CE51ED8-E2D5-4D6E-92B7-33DC2D22F4E3}" destId="{E163424C-43D9-4977-92B5-EBF4F1DE67F0}" srcOrd="2" destOrd="0" presId="urn:microsoft.com/office/officeart/2005/8/layout/gear1"/>
+    <dgm:cxn modelId="{354A29B5-0A22-45C0-915B-0DF8FB8C3548}" type="presOf" srcId="{6CE51ED8-E2D5-4D6E-92B7-33DC2D22F4E3}" destId="{3750864B-70D7-49F7-8DFE-5A7083950FA1}" srcOrd="0" destOrd="0" presId="urn:microsoft.com/office/officeart/2005/8/layout/gear1"/>
+    <dgm:cxn modelId="{ADAAB5B1-985A-4F3A-8FDC-5147ED4DC23B}" type="presOf" srcId="{C80A9033-4CBB-49C6-ADA6-FF09E32D7971}" destId="{5CECEB08-06A9-4EFA-89C1-CE8A678C4734}" srcOrd="1" destOrd="0" presId="urn:microsoft.com/office/officeart/2005/8/layout/gear1"/>
     <dgm:cxn modelId="{F37F9574-3B1B-41EE-B6C3-77383142DA0A}" type="presOf" srcId="{AA3967FC-E7FF-44CB-A5DD-A1F5156EA9AF}" destId="{CF888610-1FA6-4D2C-A325-A6727291E56F}" srcOrd="1" destOrd="0" presId="urn:microsoft.com/office/officeart/2005/8/layout/gear1"/>
+    <dgm:cxn modelId="{EB29C559-196D-4EDA-A613-343CC3F5352A}" type="presOf" srcId="{F8467029-348F-4749-AEB0-B2601691DA93}" destId="{0F17B1B2-3D53-4EB9-9D50-566EE31348D0}" srcOrd="0" destOrd="0" presId="urn:microsoft.com/office/officeart/2005/8/layout/gear1"/>
+    <dgm:cxn modelId="{FB378110-D3CD-491B-94C9-7CE8F904068B}" type="presOf" srcId="{E70B404A-D50E-481F-B8BD-DBE45061A952}" destId="{6603EB52-FBFB-4025-8C45-AACAB29EF337}" srcOrd="0" destOrd="0" presId="urn:microsoft.com/office/officeart/2005/8/layout/gear1"/>
+    <dgm:cxn modelId="{CDDC4168-AE4D-44E1-81EA-62EEE04F0C8F}" type="presOf" srcId="{C80A9033-4CBB-49C6-ADA6-FF09E32D7971}" destId="{53FECFA4-0F1A-4AC5-B09A-576BD400876B}" srcOrd="2" destOrd="0" presId="urn:microsoft.com/office/officeart/2005/8/layout/gear1"/>
     <dgm:cxn modelId="{662B966F-BBB3-4E0E-B15E-0CE6B87614B1}" type="presOf" srcId="{C80A9033-4CBB-49C6-ADA6-FF09E32D7971}" destId="{4C6762C1-B007-4DEA-AF5C-E6654BC8B2BE}" srcOrd="0" destOrd="0" presId="urn:microsoft.com/office/officeart/2005/8/layout/gear1"/>
-    <dgm:cxn modelId="{DF1EFB00-B62B-43E4-8CA5-0ACF2DE92C8B}" srcId="{025F2F30-9327-41A8-9DA0-A14CF56F8A97}" destId="{C80A9033-4CBB-49C6-ADA6-FF09E32D7971}" srcOrd="1" destOrd="0" parTransId="{6F717168-CFC2-4F13-AD47-626D518B98EB}" sibTransId="{F8467029-348F-4749-AEB0-B2601691DA93}"/>
-    <dgm:cxn modelId="{CDDC4168-AE4D-44E1-81EA-62EEE04F0C8F}" type="presOf" srcId="{C80A9033-4CBB-49C6-ADA6-FF09E32D7971}" destId="{53FECFA4-0F1A-4AC5-B09A-576BD400876B}" srcOrd="2" destOrd="0" presId="urn:microsoft.com/office/officeart/2005/8/layout/gear1"/>
-    <dgm:cxn modelId="{43745F4B-F7C0-4064-9818-6D6879811337}" type="presOf" srcId="{38F09A78-F7C2-4AE4-B9CA-02F337DCF21C}" destId="{53A997B2-A745-47BC-ABCB-A1EA56C9C539}" srcOrd="0" destOrd="0" presId="urn:microsoft.com/office/officeart/2005/8/layout/gear1"/>
-    <dgm:cxn modelId="{EB29C559-196D-4EDA-A613-343CC3F5352A}" type="presOf" srcId="{F8467029-348F-4749-AEB0-B2601691DA93}" destId="{0F17B1B2-3D53-4EB9-9D50-566EE31348D0}" srcOrd="0" destOrd="0" presId="urn:microsoft.com/office/officeart/2005/8/layout/gear1"/>
-    <dgm:cxn modelId="{CFD25871-FDF4-4CFF-938D-43CBF886900F}" type="presOf" srcId="{6CE51ED8-E2D5-4D6E-92B7-33DC2D22F4E3}" destId="{3B033490-84EC-4A8A-A76B-D635D2FB5947}" srcOrd="1" destOrd="0" presId="urn:microsoft.com/office/officeart/2005/8/layout/gear1"/>
-    <dgm:cxn modelId="{354A29B5-0A22-45C0-915B-0DF8FB8C3548}" type="presOf" srcId="{6CE51ED8-E2D5-4D6E-92B7-33DC2D22F4E3}" destId="{3750864B-70D7-49F7-8DFE-5A7083950FA1}" srcOrd="0" destOrd="0" presId="urn:microsoft.com/office/officeart/2005/8/layout/gear1"/>
-    <dgm:cxn modelId="{A038E874-7076-4486-8211-937C5060E5E7}" srcId="{025F2F30-9327-41A8-9DA0-A14CF56F8A97}" destId="{AA3967FC-E7FF-44CB-A5DD-A1F5156EA9AF}" srcOrd="2" destOrd="0" parTransId="{4CAB6A0E-DB90-494D-9C33-52DE512E78FA}" sibTransId="{38F09A78-F7C2-4AE4-B9CA-02F337DCF21C}"/>
-    <dgm:cxn modelId="{65E339D0-466B-45C9-AC23-8436D63AABF4}" type="presOf" srcId="{025F2F30-9327-41A8-9DA0-A14CF56F8A97}" destId="{C062C1FF-CB12-4424-A81F-A55A11655B63}" srcOrd="0" destOrd="0" presId="urn:microsoft.com/office/officeart/2005/8/layout/gear1"/>
-    <dgm:cxn modelId="{7E49C7EE-F87C-471E-B170-5701AB3B9737}" type="presOf" srcId="{AA3967FC-E7FF-44CB-A5DD-A1F5156EA9AF}" destId="{65E963F3-3963-467A-9DE4-60AF8584D89D}" srcOrd="3" destOrd="0" presId="urn:microsoft.com/office/officeart/2005/8/layout/gear1"/>
-    <dgm:cxn modelId="{ADAAB5B1-985A-4F3A-8FDC-5147ED4DC23B}" type="presOf" srcId="{C80A9033-4CBB-49C6-ADA6-FF09E32D7971}" destId="{5CECEB08-06A9-4EFA-89C1-CE8A678C4734}" srcOrd="1" destOrd="0" presId="urn:microsoft.com/office/officeart/2005/8/layout/gear1"/>
-    <dgm:cxn modelId="{1B7B448C-C92C-455D-84B3-E54BDCA9BD77}" type="presOf" srcId="{AA3967FC-E7FF-44CB-A5DD-A1F5156EA9AF}" destId="{6B3CD9F1-5A02-4E26-B4F8-078145E0265B}" srcOrd="2" destOrd="0" presId="urn:microsoft.com/office/officeart/2005/8/layout/gear1"/>
-    <dgm:cxn modelId="{FB378110-D3CD-491B-94C9-7CE8F904068B}" type="presOf" srcId="{E70B404A-D50E-481F-B8BD-DBE45061A952}" destId="{6603EB52-FBFB-4025-8C45-AACAB29EF337}" srcOrd="0" destOrd="0" presId="urn:microsoft.com/office/officeart/2005/8/layout/gear1"/>
-    <dgm:cxn modelId="{4284A1D3-570C-4F39-889C-8C4692186FF3}" srcId="{025F2F30-9327-41A8-9DA0-A14CF56F8A97}" destId="{6CE51ED8-E2D5-4D6E-92B7-33DC2D22F4E3}" srcOrd="0" destOrd="0" parTransId="{69E3E37C-4FEB-40FF-9F97-03B6A94AFB9B}" sibTransId="{E70B404A-D50E-481F-B8BD-DBE45061A952}"/>
     <dgm:cxn modelId="{38A64DF2-7F9B-4FCE-B824-AA75E1667072}" type="presParOf" srcId="{C062C1FF-CB12-4424-A81F-A55A11655B63}" destId="{3750864B-70D7-49F7-8DFE-5A7083950FA1}" srcOrd="0" destOrd="0" presId="urn:microsoft.com/office/officeart/2005/8/layout/gear1"/>
     <dgm:cxn modelId="{CA3DD005-BDD2-4623-B39D-CF9F5565FB74}" type="presParOf" srcId="{C062C1FF-CB12-4424-A81F-A55A11655B63}" destId="{3B033490-84EC-4A8A-A76B-D635D2FB5947}" srcOrd="1" destOrd="0" presId="urn:microsoft.com/office/officeart/2005/8/layout/gear1"/>
     <dgm:cxn modelId="{A30399FB-69D2-4059-9976-BCBFA82ED09C}" type="presParOf" srcId="{C062C1FF-CB12-4424-A81F-A55A11655B63}" destId="{E163424C-43D9-4977-92B5-EBF4F1DE67F0}" srcOrd="2" destOrd="0" presId="urn:microsoft.com/office/officeart/2005/8/layout/gear1"/>
@@ -2885,7 +2969,7 @@
             <a:fld id="{87533535-BCD3-4A64-9D1A-E5BA9C17F898}" type="datetimeFigureOut">
               <a:rPr lang="pt-BR" smtClean="0"/>
               <a:pPr/>
-              <a:t>13/12/2009</a:t>
+              <a:t>14/12/2009</a:t>
             </a:fld>
             <a:endParaRPr lang="pt-BR"/>
           </a:p>
@@ -5139,7 +5223,7 @@
             <a:fld id="{3FC8105C-F6EA-4C79-A5DA-383894905110}" type="datetime1">
               <a:rPr lang="pt-BR" smtClean="0"/>
               <a:pPr/>
-              <a:t>13/12/2009</a:t>
+              <a:t>14/12/2009</a:t>
             </a:fld>
             <a:endParaRPr lang="pt-BR"/>
           </a:p>
@@ -5337,7 +5421,7 @@
             <a:fld id="{B11F8EA5-B17A-4746-AD7A-087A98B63BC2}" type="datetime1">
               <a:rPr lang="pt-BR" smtClean="0"/>
               <a:pPr/>
-              <a:t>13/12/2009</a:t>
+              <a:t>14/12/2009</a:t>
             </a:fld>
             <a:endParaRPr lang="pt-BR"/>
           </a:p>
@@ -5514,7 +5598,7 @@
             <a:fld id="{2D9C5545-B5EC-409B-8315-742E9B7B4DBC}" type="datetime1">
               <a:rPr lang="pt-BR" smtClean="0"/>
               <a:pPr/>
-              <a:t>13/12/2009</a:t>
+              <a:t>14/12/2009</a:t>
             </a:fld>
             <a:endParaRPr lang="pt-BR"/>
           </a:p>
@@ -5818,7 +5902,7 @@
             <a:fld id="{562025BF-1311-44FD-9C66-63CF67DE284F}" type="datetime1">
               <a:rPr lang="pt-BR" smtClean="0"/>
               <a:pPr/>
-              <a:t>13/12/2009</a:t>
+              <a:t>14/12/2009</a:t>
             </a:fld>
             <a:endParaRPr lang="pt-BR"/>
           </a:p>
@@ -6127,7 +6211,7 @@
             <a:fld id="{9F57E5BC-216D-4B77-BF93-83DDFD28FB7A}" type="datetime1">
               <a:rPr lang="pt-BR" smtClean="0"/>
               <a:pPr/>
-              <a:t>13/12/2009</a:t>
+              <a:t>14/12/2009</a:t>
             </a:fld>
             <a:endParaRPr lang="pt-BR"/>
           </a:p>
@@ -6412,7 +6496,7 @@
             <a:fld id="{9BE1ECF2-7282-4CA8-9578-B555006107E7}" type="datetime1">
               <a:rPr lang="pt-BR" smtClean="0"/>
               <a:pPr/>
-              <a:t>13/12/2009</a:t>
+              <a:t>14/12/2009</a:t>
             </a:fld>
             <a:endParaRPr lang="pt-BR"/>
           </a:p>
@@ -6831,7 +6915,7 @@
             <a:fld id="{4EC9D6E7-46B4-4F15-A913-6795EEA3B1B1}" type="datetime1">
               <a:rPr lang="pt-BR" smtClean="0"/>
               <a:pPr/>
-              <a:t>13/12/2009</a:t>
+              <a:t>14/12/2009</a:t>
             </a:fld>
             <a:endParaRPr lang="pt-BR"/>
           </a:p>
@@ -6946,7 +7030,7 @@
             <a:fld id="{7CBA1ECC-7188-4928-802E-A694D9348EB9}" type="datetime1">
               <a:rPr lang="pt-BR" smtClean="0"/>
               <a:pPr/>
-              <a:t>13/12/2009</a:t>
+              <a:t>14/12/2009</a:t>
             </a:fld>
             <a:endParaRPr lang="pt-BR"/>
           </a:p>
@@ -7038,7 +7122,7 @@
             <a:fld id="{7A691CD5-0B0D-4630-929C-4E8A2A7E7B49}" type="datetime1">
               <a:rPr lang="pt-BR" smtClean="0"/>
               <a:pPr/>
-              <a:t>13/12/2009</a:t>
+              <a:t>14/12/2009</a:t>
             </a:fld>
             <a:endParaRPr lang="pt-BR"/>
           </a:p>
@@ -7312,7 +7396,7 @@
             <a:fld id="{78E97EF6-6B4C-4A42-AAF4-C5CDD162ADE9}" type="datetime1">
               <a:rPr lang="pt-BR" smtClean="0"/>
               <a:pPr/>
-              <a:t>13/12/2009</a:t>
+              <a:t>14/12/2009</a:t>
             </a:fld>
             <a:endParaRPr lang="pt-BR"/>
           </a:p>
@@ -7562,7 +7646,7 @@
             <a:fld id="{A3D8E3A1-0695-490D-804E-2182D3F1A126}" type="datetime1">
               <a:rPr lang="pt-BR" smtClean="0"/>
               <a:pPr/>
-              <a:t>13/12/2009</a:t>
+              <a:t>14/12/2009</a:t>
             </a:fld>
             <a:endParaRPr lang="pt-BR"/>
           </a:p>
@@ -7772,7 +7856,7 @@
             <a:fld id="{B1BF7399-82F1-433D-906E-4FC9C136C804}" type="datetime1">
               <a:rPr lang="pt-BR" smtClean="0"/>
               <a:pPr/>
-              <a:t>13/12/2009</a:t>
+              <a:t>14/12/2009</a:t>
             </a:fld>
             <a:endParaRPr lang="pt-BR"/>
           </a:p>
@@ -22546,7 +22630,19 @@
           <a:p>
             <a:r>
               <a:rPr lang="pt-BR" dirty="0" smtClean="0"/>
-              <a:t>Modelo x rede SOM</a:t>
+              <a:t>Modelo </a:t>
+            </a:r>
+            <a:r>
+              <a:rPr lang="pt-BR" dirty="0" smtClean="0">
+                <a:latin typeface="DejaVu Sans Light" pitchFamily="34" charset="0"/>
+                <a:ea typeface="DejaVu Sans Light" pitchFamily="34" charset="0"/>
+                <a:cs typeface="DejaVu Sans Light" pitchFamily="34" charset="0"/>
+              </a:rPr>
+              <a:t>x</a:t>
+            </a:r>
+            <a:r>
+              <a:rPr lang="pt-BR" dirty="0" smtClean="0"/>
+              <a:t> rede SOM</a:t>
             </a:r>
             <a:endParaRPr lang="pt-BR" dirty="0"/>
           </a:p>
@@ -24313,7 +24409,19 @@
           <a:p>
             <a:r>
               <a:rPr lang="pt-BR" dirty="0" smtClean="0"/>
-              <a:t>Modelo x rede SOM</a:t>
+              <a:t>Modelo </a:t>
+            </a:r>
+            <a:r>
+              <a:rPr lang="pt-BR" dirty="0" smtClean="0">
+                <a:latin typeface="DejaVu Sans Light" pitchFamily="34" charset="0"/>
+                <a:ea typeface="DejaVu Sans Light" pitchFamily="34" charset="0"/>
+                <a:cs typeface="DejaVu Sans Light" pitchFamily="34" charset="0"/>
+              </a:rPr>
+              <a:t>x</a:t>
+            </a:r>
+            <a:r>
+              <a:rPr lang="pt-BR" dirty="0" smtClean="0"/>
+              <a:t> rede SOM</a:t>
             </a:r>
             <a:endParaRPr lang="pt-BR" dirty="0"/>
           </a:p>
@@ -30751,13 +30859,8 @@
             <a:pPr algn="just"/>
             <a:r>
               <a:rPr lang="pt-BR" sz="4000" dirty="0" smtClean="0"/>
-              <a:t>Sobrecarga </a:t>
-            </a:r>
-            <a:r>
-              <a:rPr lang="pt-BR" sz="4000" dirty="0" smtClean="0"/>
-              <a:t>de informação</a:t>
-            </a:r>
-            <a:endParaRPr lang="pt-BR" sz="4000" dirty="0" smtClean="0"/>
+              <a:t>Sobrecarga de informação</a:t>
+            </a:r>
           </a:p>
           <a:p>
             <a:pPr algn="just"/>
